--- a/ppt 16-9/1286.耶稣喜爱一切.pptx
+++ b/ppt 16-9/1286.耶稣喜爱一切.pptx
@@ -5,7 +5,7 @@
     <p:sldMasterId id="2147483648" r:id="rId1"/>
   </p:sldMasterIdLst>
   <p:sldIdLst>
-    <p:sldId id="835" r:id="rId2"/>
+    <p:sldId id="836" r:id="rId2"/>
   </p:sldIdLst>
   <p:sldSz cx="12192000" cy="6858000"/>
   <p:notesSz cx="6858000" cy="9144000"/>
@@ -129,7 +129,7 @@
           <p:cNvPr id="2" name="标题 1">
             <a:extLst>
               <a:ext uri="{FF2B5EF4-FFF2-40B4-BE49-F238E27FC236}">
-                <a16:creationId xmlns:a16="http://schemas.microsoft.com/office/drawing/2014/main" id="{B4FD7493-2957-BF78-6BD4-0C029F9B3EAF}"/>
+                <a16:creationId xmlns:a16="http://schemas.microsoft.com/office/drawing/2014/main" id="{F5B242E3-6136-DA20-C4C0-B96157BBEA30}"/>
               </a:ext>
             </a:extLst>
           </p:cNvPr>
@@ -166,7 +166,7 @@
           <p:cNvPr id="3" name="副标题 2">
             <a:extLst>
               <a:ext uri="{FF2B5EF4-FFF2-40B4-BE49-F238E27FC236}">
-                <a16:creationId xmlns:a16="http://schemas.microsoft.com/office/drawing/2014/main" id="{55AEDDBA-0FDE-3543-9A3B-F1B083521889}"/>
+                <a16:creationId xmlns:a16="http://schemas.microsoft.com/office/drawing/2014/main" id="{DD29558A-D6D6-F787-1CA7-CDF503C6DCDB}"/>
               </a:ext>
             </a:extLst>
           </p:cNvPr>
@@ -236,7 +236,7 @@
           <p:cNvPr id="4" name="日期占位符 3">
             <a:extLst>
               <a:ext uri="{FF2B5EF4-FFF2-40B4-BE49-F238E27FC236}">
-                <a16:creationId xmlns:a16="http://schemas.microsoft.com/office/drawing/2014/main" id="{E00A5636-7D23-6352-A6ED-440CB2CF6E2A}"/>
+                <a16:creationId xmlns:a16="http://schemas.microsoft.com/office/drawing/2014/main" id="{31B05A05-9235-130E-2F0D-3BD921697496}"/>
               </a:ext>
             </a:extLst>
           </p:cNvPr>
@@ -252,7 +252,7 @@
           <a:bodyPr/>
           <a:lstStyle/>
           <a:p>
-            <a:fld id="{DD37D8B6-6939-4D25-BE02-93BB3737C209}" type="datetimeFigureOut">
+            <a:fld id="{81E8D1E3-FC6F-4155-94EB-F2DA3959C3F1}" type="datetimeFigureOut">
               <a:rPr lang="zh-CN" altLang="en-US" smtClean="0"/>
               <a:t>2024/3/10</a:t>
             </a:fld>
@@ -265,7 +265,7 @@
           <p:cNvPr id="5" name="页脚占位符 4">
             <a:extLst>
               <a:ext uri="{FF2B5EF4-FFF2-40B4-BE49-F238E27FC236}">
-                <a16:creationId xmlns:a16="http://schemas.microsoft.com/office/drawing/2014/main" id="{00B91A29-4D43-EC87-D6F2-718BA22F243E}"/>
+                <a16:creationId xmlns:a16="http://schemas.microsoft.com/office/drawing/2014/main" id="{E385D35E-2168-645F-39F6-33177E11A55A}"/>
               </a:ext>
             </a:extLst>
           </p:cNvPr>
@@ -290,7 +290,7 @@
           <p:cNvPr id="6" name="灯片编号占位符 5">
             <a:extLst>
               <a:ext uri="{FF2B5EF4-FFF2-40B4-BE49-F238E27FC236}">
-                <a16:creationId xmlns:a16="http://schemas.microsoft.com/office/drawing/2014/main" id="{6AB01C7D-34B5-A97E-5440-28CECC944A49}"/>
+                <a16:creationId xmlns:a16="http://schemas.microsoft.com/office/drawing/2014/main" id="{BA4694AB-6FA3-D788-63DE-9E1C506DC8CD}"/>
               </a:ext>
             </a:extLst>
           </p:cNvPr>
@@ -306,7 +306,7 @@
           <a:bodyPr/>
           <a:lstStyle/>
           <a:p>
-            <a:fld id="{3C017723-B42A-4355-A764-7ABF6F00C36B}" type="slidenum">
+            <a:fld id="{B08BBDCB-87ED-4606-ADE8-B11CF9BF560B}" type="slidenum">
               <a:rPr lang="zh-CN" altLang="en-US" smtClean="0"/>
               <a:t>‹#›</a:t>
             </a:fld>
@@ -317,7 +317,7 @@
     </p:spTree>
     <p:extLst>
       <p:ext uri="{BB962C8B-B14F-4D97-AF65-F5344CB8AC3E}">
-        <p14:creationId xmlns:p14="http://schemas.microsoft.com/office/powerpoint/2010/main" val="3556202854"/>
+        <p14:creationId xmlns:p14="http://schemas.microsoft.com/office/powerpoint/2010/main" val="524304374"/>
       </p:ext>
     </p:extLst>
   </p:cSld>
@@ -349,7 +349,7 @@
           <p:cNvPr id="2" name="标题 1">
             <a:extLst>
               <a:ext uri="{FF2B5EF4-FFF2-40B4-BE49-F238E27FC236}">
-                <a16:creationId xmlns:a16="http://schemas.microsoft.com/office/drawing/2014/main" id="{C16FE1D9-2EC4-5B8D-B145-28FB1472EF99}"/>
+                <a16:creationId xmlns:a16="http://schemas.microsoft.com/office/drawing/2014/main" id="{EC6664EB-5739-8A89-0086-3A1B686C2D79}"/>
               </a:ext>
             </a:extLst>
           </p:cNvPr>
@@ -377,7 +377,7 @@
           <p:cNvPr id="3" name="竖排文字占位符 2">
             <a:extLst>
               <a:ext uri="{FF2B5EF4-FFF2-40B4-BE49-F238E27FC236}">
-                <a16:creationId xmlns:a16="http://schemas.microsoft.com/office/drawing/2014/main" id="{21C9857E-1748-E169-A076-0FFEC3463573}"/>
+                <a16:creationId xmlns:a16="http://schemas.microsoft.com/office/drawing/2014/main" id="{5F03A387-BDEC-6F3F-32B0-120E0E70FD3F}"/>
               </a:ext>
             </a:extLst>
           </p:cNvPr>
@@ -434,7 +434,7 @@
           <p:cNvPr id="4" name="日期占位符 3">
             <a:extLst>
               <a:ext uri="{FF2B5EF4-FFF2-40B4-BE49-F238E27FC236}">
-                <a16:creationId xmlns:a16="http://schemas.microsoft.com/office/drawing/2014/main" id="{71B32B4B-8D14-05F5-0F17-BD586CF6282E}"/>
+                <a16:creationId xmlns:a16="http://schemas.microsoft.com/office/drawing/2014/main" id="{FFAC5206-2F84-A21B-D3B4-902FAFD7AA33}"/>
               </a:ext>
             </a:extLst>
           </p:cNvPr>
@@ -450,7 +450,7 @@
           <a:bodyPr/>
           <a:lstStyle/>
           <a:p>
-            <a:fld id="{DD37D8B6-6939-4D25-BE02-93BB3737C209}" type="datetimeFigureOut">
+            <a:fld id="{81E8D1E3-FC6F-4155-94EB-F2DA3959C3F1}" type="datetimeFigureOut">
               <a:rPr lang="zh-CN" altLang="en-US" smtClean="0"/>
               <a:t>2024/3/10</a:t>
             </a:fld>
@@ -463,7 +463,7 @@
           <p:cNvPr id="5" name="页脚占位符 4">
             <a:extLst>
               <a:ext uri="{FF2B5EF4-FFF2-40B4-BE49-F238E27FC236}">
-                <a16:creationId xmlns:a16="http://schemas.microsoft.com/office/drawing/2014/main" id="{EAB4449A-3D5B-EF69-2A20-3D6807905FBF}"/>
+                <a16:creationId xmlns:a16="http://schemas.microsoft.com/office/drawing/2014/main" id="{321BFE05-F365-BCB3-3EFC-BB6C4539066D}"/>
               </a:ext>
             </a:extLst>
           </p:cNvPr>
@@ -488,7 +488,7 @@
           <p:cNvPr id="6" name="灯片编号占位符 5">
             <a:extLst>
               <a:ext uri="{FF2B5EF4-FFF2-40B4-BE49-F238E27FC236}">
-                <a16:creationId xmlns:a16="http://schemas.microsoft.com/office/drawing/2014/main" id="{B404DB7A-55F1-6729-C09E-988846C2E151}"/>
+                <a16:creationId xmlns:a16="http://schemas.microsoft.com/office/drawing/2014/main" id="{2B625C27-4A98-8C1D-37D0-9A4538447D78}"/>
               </a:ext>
             </a:extLst>
           </p:cNvPr>
@@ -504,7 +504,7 @@
           <a:bodyPr/>
           <a:lstStyle/>
           <a:p>
-            <a:fld id="{3C017723-B42A-4355-A764-7ABF6F00C36B}" type="slidenum">
+            <a:fld id="{B08BBDCB-87ED-4606-ADE8-B11CF9BF560B}" type="slidenum">
               <a:rPr lang="zh-CN" altLang="en-US" smtClean="0"/>
               <a:t>‹#›</a:t>
             </a:fld>
@@ -515,7 +515,7 @@
     </p:spTree>
     <p:extLst>
       <p:ext uri="{BB962C8B-B14F-4D97-AF65-F5344CB8AC3E}">
-        <p14:creationId xmlns:p14="http://schemas.microsoft.com/office/powerpoint/2010/main" val="3378419510"/>
+        <p14:creationId xmlns:p14="http://schemas.microsoft.com/office/powerpoint/2010/main" val="1425173396"/>
       </p:ext>
     </p:extLst>
   </p:cSld>
@@ -547,7 +547,7 @@
           <p:cNvPr id="2" name="竖排标题 1">
             <a:extLst>
               <a:ext uri="{FF2B5EF4-FFF2-40B4-BE49-F238E27FC236}">
-                <a16:creationId xmlns:a16="http://schemas.microsoft.com/office/drawing/2014/main" id="{D709134C-F09E-4822-430F-E2983799F972}"/>
+                <a16:creationId xmlns:a16="http://schemas.microsoft.com/office/drawing/2014/main" id="{DB456BD7-1186-C72F-81E0-08CFFF5D822B}"/>
               </a:ext>
             </a:extLst>
           </p:cNvPr>
@@ -580,7 +580,7 @@
           <p:cNvPr id="3" name="竖排文字占位符 2">
             <a:extLst>
               <a:ext uri="{FF2B5EF4-FFF2-40B4-BE49-F238E27FC236}">
-                <a16:creationId xmlns:a16="http://schemas.microsoft.com/office/drawing/2014/main" id="{3056F5CA-4322-B671-205F-635B53516F9E}"/>
+                <a16:creationId xmlns:a16="http://schemas.microsoft.com/office/drawing/2014/main" id="{6F51115C-B5F6-0D94-DE57-FF53C06E1689}"/>
               </a:ext>
             </a:extLst>
           </p:cNvPr>
@@ -642,7 +642,7 @@
           <p:cNvPr id="4" name="日期占位符 3">
             <a:extLst>
               <a:ext uri="{FF2B5EF4-FFF2-40B4-BE49-F238E27FC236}">
-                <a16:creationId xmlns:a16="http://schemas.microsoft.com/office/drawing/2014/main" id="{6AC0C218-A2B0-8DAD-58A9-C964D21D918A}"/>
+                <a16:creationId xmlns:a16="http://schemas.microsoft.com/office/drawing/2014/main" id="{A57D7AE0-76A2-463D-2134-6B88808F72EB}"/>
               </a:ext>
             </a:extLst>
           </p:cNvPr>
@@ -658,7 +658,7 @@
           <a:bodyPr/>
           <a:lstStyle/>
           <a:p>
-            <a:fld id="{DD37D8B6-6939-4D25-BE02-93BB3737C209}" type="datetimeFigureOut">
+            <a:fld id="{81E8D1E3-FC6F-4155-94EB-F2DA3959C3F1}" type="datetimeFigureOut">
               <a:rPr lang="zh-CN" altLang="en-US" smtClean="0"/>
               <a:t>2024/3/10</a:t>
             </a:fld>
@@ -671,7 +671,7 @@
           <p:cNvPr id="5" name="页脚占位符 4">
             <a:extLst>
               <a:ext uri="{FF2B5EF4-FFF2-40B4-BE49-F238E27FC236}">
-                <a16:creationId xmlns:a16="http://schemas.microsoft.com/office/drawing/2014/main" id="{3F90E1FA-6F00-56FB-0762-10BF330C53A7}"/>
+                <a16:creationId xmlns:a16="http://schemas.microsoft.com/office/drawing/2014/main" id="{D9BFAAF9-2B00-76C7-E907-D52931D3E6DA}"/>
               </a:ext>
             </a:extLst>
           </p:cNvPr>
@@ -696,7 +696,7 @@
           <p:cNvPr id="6" name="灯片编号占位符 5">
             <a:extLst>
               <a:ext uri="{FF2B5EF4-FFF2-40B4-BE49-F238E27FC236}">
-                <a16:creationId xmlns:a16="http://schemas.microsoft.com/office/drawing/2014/main" id="{C8080FAD-C666-4E27-17F6-A3D671E720E1}"/>
+                <a16:creationId xmlns:a16="http://schemas.microsoft.com/office/drawing/2014/main" id="{48A0D9A5-EFD8-4E0D-E223-EF5B272177A8}"/>
               </a:ext>
             </a:extLst>
           </p:cNvPr>
@@ -712,7 +712,7 @@
           <a:bodyPr/>
           <a:lstStyle/>
           <a:p>
-            <a:fld id="{3C017723-B42A-4355-A764-7ABF6F00C36B}" type="slidenum">
+            <a:fld id="{B08BBDCB-87ED-4606-ADE8-B11CF9BF560B}" type="slidenum">
               <a:rPr lang="zh-CN" altLang="en-US" smtClean="0"/>
               <a:t>‹#›</a:t>
             </a:fld>
@@ -723,7 +723,7 @@
     </p:spTree>
     <p:extLst>
       <p:ext uri="{BB962C8B-B14F-4D97-AF65-F5344CB8AC3E}">
-        <p14:creationId xmlns:p14="http://schemas.microsoft.com/office/powerpoint/2010/main" val="1518934810"/>
+        <p14:creationId xmlns:p14="http://schemas.microsoft.com/office/powerpoint/2010/main" val="3077182588"/>
       </p:ext>
     </p:extLst>
   </p:cSld>
@@ -755,7 +755,7 @@
           <p:cNvPr id="2" name="标题 1">
             <a:extLst>
               <a:ext uri="{FF2B5EF4-FFF2-40B4-BE49-F238E27FC236}">
-                <a16:creationId xmlns:a16="http://schemas.microsoft.com/office/drawing/2014/main" id="{78D4885E-E3FF-CE07-99EA-BE2FE83D7B1C}"/>
+                <a16:creationId xmlns:a16="http://schemas.microsoft.com/office/drawing/2014/main" id="{659B4642-2C80-47AE-302D-BA0D617C2F1E}"/>
               </a:ext>
             </a:extLst>
           </p:cNvPr>
@@ -783,7 +783,7 @@
           <p:cNvPr id="3" name="内容占位符 2">
             <a:extLst>
               <a:ext uri="{FF2B5EF4-FFF2-40B4-BE49-F238E27FC236}">
-                <a16:creationId xmlns:a16="http://schemas.microsoft.com/office/drawing/2014/main" id="{633517B2-015A-1BF7-4295-569D50A320D4}"/>
+                <a16:creationId xmlns:a16="http://schemas.microsoft.com/office/drawing/2014/main" id="{40C1101B-FD6C-57D9-CD3A-DCC49DED3201}"/>
               </a:ext>
             </a:extLst>
           </p:cNvPr>
@@ -840,7 +840,7 @@
           <p:cNvPr id="4" name="日期占位符 3">
             <a:extLst>
               <a:ext uri="{FF2B5EF4-FFF2-40B4-BE49-F238E27FC236}">
-                <a16:creationId xmlns:a16="http://schemas.microsoft.com/office/drawing/2014/main" id="{ED27995E-5D26-3BB5-9192-EE847469E0B5}"/>
+                <a16:creationId xmlns:a16="http://schemas.microsoft.com/office/drawing/2014/main" id="{AA3FB487-F91E-D7ED-F6C8-FF2829DFA528}"/>
               </a:ext>
             </a:extLst>
           </p:cNvPr>
@@ -856,7 +856,7 @@
           <a:bodyPr/>
           <a:lstStyle/>
           <a:p>
-            <a:fld id="{DD37D8B6-6939-4D25-BE02-93BB3737C209}" type="datetimeFigureOut">
+            <a:fld id="{81E8D1E3-FC6F-4155-94EB-F2DA3959C3F1}" type="datetimeFigureOut">
               <a:rPr lang="zh-CN" altLang="en-US" smtClean="0"/>
               <a:t>2024/3/10</a:t>
             </a:fld>
@@ -869,7 +869,7 @@
           <p:cNvPr id="5" name="页脚占位符 4">
             <a:extLst>
               <a:ext uri="{FF2B5EF4-FFF2-40B4-BE49-F238E27FC236}">
-                <a16:creationId xmlns:a16="http://schemas.microsoft.com/office/drawing/2014/main" id="{28CD1925-DD6A-E374-787D-7C2200113AF3}"/>
+                <a16:creationId xmlns:a16="http://schemas.microsoft.com/office/drawing/2014/main" id="{34D1BE5B-623A-C6F3-6896-FF602C6368C6}"/>
               </a:ext>
             </a:extLst>
           </p:cNvPr>
@@ -894,7 +894,7 @@
           <p:cNvPr id="6" name="灯片编号占位符 5">
             <a:extLst>
               <a:ext uri="{FF2B5EF4-FFF2-40B4-BE49-F238E27FC236}">
-                <a16:creationId xmlns:a16="http://schemas.microsoft.com/office/drawing/2014/main" id="{4CB79A7D-9612-32C3-7DB1-410BA771EB24}"/>
+                <a16:creationId xmlns:a16="http://schemas.microsoft.com/office/drawing/2014/main" id="{23FEBEBC-9B18-3BF5-7AB9-67AE7BEE96C5}"/>
               </a:ext>
             </a:extLst>
           </p:cNvPr>
@@ -910,7 +910,7 @@
           <a:bodyPr/>
           <a:lstStyle/>
           <a:p>
-            <a:fld id="{3C017723-B42A-4355-A764-7ABF6F00C36B}" type="slidenum">
+            <a:fld id="{B08BBDCB-87ED-4606-ADE8-B11CF9BF560B}" type="slidenum">
               <a:rPr lang="zh-CN" altLang="en-US" smtClean="0"/>
               <a:t>‹#›</a:t>
             </a:fld>
@@ -921,7 +921,7 @@
     </p:spTree>
     <p:extLst>
       <p:ext uri="{BB962C8B-B14F-4D97-AF65-F5344CB8AC3E}">
-        <p14:creationId xmlns:p14="http://schemas.microsoft.com/office/powerpoint/2010/main" val="1223413356"/>
+        <p14:creationId xmlns:p14="http://schemas.microsoft.com/office/powerpoint/2010/main" val="1834364013"/>
       </p:ext>
     </p:extLst>
   </p:cSld>
@@ -953,7 +953,7 @@
           <p:cNvPr id="2" name="标题 1">
             <a:extLst>
               <a:ext uri="{FF2B5EF4-FFF2-40B4-BE49-F238E27FC236}">
-                <a16:creationId xmlns:a16="http://schemas.microsoft.com/office/drawing/2014/main" id="{ACBE4DD5-592E-2970-A741-1D361885980D}"/>
+                <a16:creationId xmlns:a16="http://schemas.microsoft.com/office/drawing/2014/main" id="{D03C81AA-3F90-A6C5-6BDB-D334B46EBD0E}"/>
               </a:ext>
             </a:extLst>
           </p:cNvPr>
@@ -990,7 +990,7 @@
           <p:cNvPr id="3" name="文本占位符 2">
             <a:extLst>
               <a:ext uri="{FF2B5EF4-FFF2-40B4-BE49-F238E27FC236}">
-                <a16:creationId xmlns:a16="http://schemas.microsoft.com/office/drawing/2014/main" id="{36A10F47-A94B-ADAC-34FE-2CD769C160F9}"/>
+                <a16:creationId xmlns:a16="http://schemas.microsoft.com/office/drawing/2014/main" id="{0ACDB9F0-084A-9587-5EAB-432488884937}"/>
               </a:ext>
             </a:extLst>
           </p:cNvPr>
@@ -1115,7 +1115,7 @@
           <p:cNvPr id="4" name="日期占位符 3">
             <a:extLst>
               <a:ext uri="{FF2B5EF4-FFF2-40B4-BE49-F238E27FC236}">
-                <a16:creationId xmlns:a16="http://schemas.microsoft.com/office/drawing/2014/main" id="{BFD73107-0D83-9B56-32DB-65FDE383A9F5}"/>
+                <a16:creationId xmlns:a16="http://schemas.microsoft.com/office/drawing/2014/main" id="{1FC1ED76-51F6-F262-076E-D5DCA06AF6AC}"/>
               </a:ext>
             </a:extLst>
           </p:cNvPr>
@@ -1131,7 +1131,7 @@
           <a:bodyPr/>
           <a:lstStyle/>
           <a:p>
-            <a:fld id="{DD37D8B6-6939-4D25-BE02-93BB3737C209}" type="datetimeFigureOut">
+            <a:fld id="{81E8D1E3-FC6F-4155-94EB-F2DA3959C3F1}" type="datetimeFigureOut">
               <a:rPr lang="zh-CN" altLang="en-US" smtClean="0"/>
               <a:t>2024/3/10</a:t>
             </a:fld>
@@ -1144,7 +1144,7 @@
           <p:cNvPr id="5" name="页脚占位符 4">
             <a:extLst>
               <a:ext uri="{FF2B5EF4-FFF2-40B4-BE49-F238E27FC236}">
-                <a16:creationId xmlns:a16="http://schemas.microsoft.com/office/drawing/2014/main" id="{FFC3E6C0-D581-CC39-2BAE-4733BEAF44B0}"/>
+                <a16:creationId xmlns:a16="http://schemas.microsoft.com/office/drawing/2014/main" id="{58C141D5-EE3E-F54D-1B33-138327A827DC}"/>
               </a:ext>
             </a:extLst>
           </p:cNvPr>
@@ -1169,7 +1169,7 @@
           <p:cNvPr id="6" name="灯片编号占位符 5">
             <a:extLst>
               <a:ext uri="{FF2B5EF4-FFF2-40B4-BE49-F238E27FC236}">
-                <a16:creationId xmlns:a16="http://schemas.microsoft.com/office/drawing/2014/main" id="{BCF90929-041A-7A94-1669-BDFBC4926AFB}"/>
+                <a16:creationId xmlns:a16="http://schemas.microsoft.com/office/drawing/2014/main" id="{F012C87A-CB1A-EBA3-916E-536929E35C88}"/>
               </a:ext>
             </a:extLst>
           </p:cNvPr>
@@ -1185,7 +1185,7 @@
           <a:bodyPr/>
           <a:lstStyle/>
           <a:p>
-            <a:fld id="{3C017723-B42A-4355-A764-7ABF6F00C36B}" type="slidenum">
+            <a:fld id="{B08BBDCB-87ED-4606-ADE8-B11CF9BF560B}" type="slidenum">
               <a:rPr lang="zh-CN" altLang="en-US" smtClean="0"/>
               <a:t>‹#›</a:t>
             </a:fld>
@@ -1196,7 +1196,7 @@
     </p:spTree>
     <p:extLst>
       <p:ext uri="{BB962C8B-B14F-4D97-AF65-F5344CB8AC3E}">
-        <p14:creationId xmlns:p14="http://schemas.microsoft.com/office/powerpoint/2010/main" val="3132938030"/>
+        <p14:creationId xmlns:p14="http://schemas.microsoft.com/office/powerpoint/2010/main" val="3369476535"/>
       </p:ext>
     </p:extLst>
   </p:cSld>
@@ -1228,7 +1228,7 @@
           <p:cNvPr id="2" name="标题 1">
             <a:extLst>
               <a:ext uri="{FF2B5EF4-FFF2-40B4-BE49-F238E27FC236}">
-                <a16:creationId xmlns:a16="http://schemas.microsoft.com/office/drawing/2014/main" id="{91135DBB-13C2-D8AB-C4E2-38C4062A7620}"/>
+                <a16:creationId xmlns:a16="http://schemas.microsoft.com/office/drawing/2014/main" id="{41E3DB1D-6B85-B6DD-1B80-CA9F805F6E56}"/>
               </a:ext>
             </a:extLst>
           </p:cNvPr>
@@ -1256,7 +1256,7 @@
           <p:cNvPr id="3" name="内容占位符 2">
             <a:extLst>
               <a:ext uri="{FF2B5EF4-FFF2-40B4-BE49-F238E27FC236}">
-                <a16:creationId xmlns:a16="http://schemas.microsoft.com/office/drawing/2014/main" id="{9148D435-4DE4-C9F2-C82C-4E55E0BF9A5C}"/>
+                <a16:creationId xmlns:a16="http://schemas.microsoft.com/office/drawing/2014/main" id="{94A2884D-5D2C-5883-1B87-7F673CF13BB5}"/>
               </a:ext>
             </a:extLst>
           </p:cNvPr>
@@ -1318,7 +1318,7 @@
           <p:cNvPr id="4" name="内容占位符 3">
             <a:extLst>
               <a:ext uri="{FF2B5EF4-FFF2-40B4-BE49-F238E27FC236}">
-                <a16:creationId xmlns:a16="http://schemas.microsoft.com/office/drawing/2014/main" id="{2CC5AB65-4D50-1B1D-CF74-59FACAB4F9D8}"/>
+                <a16:creationId xmlns:a16="http://schemas.microsoft.com/office/drawing/2014/main" id="{4E9015C3-DFA9-7233-2A3F-5AC90681ABCF}"/>
               </a:ext>
             </a:extLst>
           </p:cNvPr>
@@ -1380,7 +1380,7 @@
           <p:cNvPr id="5" name="日期占位符 4">
             <a:extLst>
               <a:ext uri="{FF2B5EF4-FFF2-40B4-BE49-F238E27FC236}">
-                <a16:creationId xmlns:a16="http://schemas.microsoft.com/office/drawing/2014/main" id="{E98B112E-0773-43E2-BC2F-8A28C64F3C5E}"/>
+                <a16:creationId xmlns:a16="http://schemas.microsoft.com/office/drawing/2014/main" id="{901A9B6E-BAE2-948E-210A-726B075C122C}"/>
               </a:ext>
             </a:extLst>
           </p:cNvPr>
@@ -1396,7 +1396,7 @@
           <a:bodyPr/>
           <a:lstStyle/>
           <a:p>
-            <a:fld id="{DD37D8B6-6939-4D25-BE02-93BB3737C209}" type="datetimeFigureOut">
+            <a:fld id="{81E8D1E3-FC6F-4155-94EB-F2DA3959C3F1}" type="datetimeFigureOut">
               <a:rPr lang="zh-CN" altLang="en-US" smtClean="0"/>
               <a:t>2024/3/10</a:t>
             </a:fld>
@@ -1409,7 +1409,7 @@
           <p:cNvPr id="6" name="页脚占位符 5">
             <a:extLst>
               <a:ext uri="{FF2B5EF4-FFF2-40B4-BE49-F238E27FC236}">
-                <a16:creationId xmlns:a16="http://schemas.microsoft.com/office/drawing/2014/main" id="{37A0256D-1E88-3482-6ADF-7F3DA45059CE}"/>
+                <a16:creationId xmlns:a16="http://schemas.microsoft.com/office/drawing/2014/main" id="{A6F6A129-25DB-F105-4529-0780550E535D}"/>
               </a:ext>
             </a:extLst>
           </p:cNvPr>
@@ -1434,7 +1434,7 @@
           <p:cNvPr id="7" name="灯片编号占位符 6">
             <a:extLst>
               <a:ext uri="{FF2B5EF4-FFF2-40B4-BE49-F238E27FC236}">
-                <a16:creationId xmlns:a16="http://schemas.microsoft.com/office/drawing/2014/main" id="{B9B5FE44-EE86-1617-A048-8F85DB56D9F6}"/>
+                <a16:creationId xmlns:a16="http://schemas.microsoft.com/office/drawing/2014/main" id="{9722597B-EA75-53A4-E3E4-91683AD5B7A5}"/>
               </a:ext>
             </a:extLst>
           </p:cNvPr>
@@ -1450,7 +1450,7 @@
           <a:bodyPr/>
           <a:lstStyle/>
           <a:p>
-            <a:fld id="{3C017723-B42A-4355-A764-7ABF6F00C36B}" type="slidenum">
+            <a:fld id="{B08BBDCB-87ED-4606-ADE8-B11CF9BF560B}" type="slidenum">
               <a:rPr lang="zh-CN" altLang="en-US" smtClean="0"/>
               <a:t>‹#›</a:t>
             </a:fld>
@@ -1461,7 +1461,7 @@
     </p:spTree>
     <p:extLst>
       <p:ext uri="{BB962C8B-B14F-4D97-AF65-F5344CB8AC3E}">
-        <p14:creationId xmlns:p14="http://schemas.microsoft.com/office/powerpoint/2010/main" val="2041943891"/>
+        <p14:creationId xmlns:p14="http://schemas.microsoft.com/office/powerpoint/2010/main" val="3277522016"/>
       </p:ext>
     </p:extLst>
   </p:cSld>
@@ -1493,7 +1493,7 @@
           <p:cNvPr id="2" name="标题 1">
             <a:extLst>
               <a:ext uri="{FF2B5EF4-FFF2-40B4-BE49-F238E27FC236}">
-                <a16:creationId xmlns:a16="http://schemas.microsoft.com/office/drawing/2014/main" id="{620E46D2-4878-CD42-F782-67C131F3D0A1}"/>
+                <a16:creationId xmlns:a16="http://schemas.microsoft.com/office/drawing/2014/main" id="{AC7AA0A3-56F9-C703-E019-06F8166424D0}"/>
               </a:ext>
             </a:extLst>
           </p:cNvPr>
@@ -1526,7 +1526,7 @@
           <p:cNvPr id="3" name="文本占位符 2">
             <a:extLst>
               <a:ext uri="{FF2B5EF4-FFF2-40B4-BE49-F238E27FC236}">
-                <a16:creationId xmlns:a16="http://schemas.microsoft.com/office/drawing/2014/main" id="{1D976D3B-5074-95CE-1EC3-A258BCD39DF0}"/>
+                <a16:creationId xmlns:a16="http://schemas.microsoft.com/office/drawing/2014/main" id="{6C014DC2-208A-1283-C4A9-2B93F44A1C9B}"/>
               </a:ext>
             </a:extLst>
           </p:cNvPr>
@@ -1597,7 +1597,7 @@
           <p:cNvPr id="4" name="内容占位符 3">
             <a:extLst>
               <a:ext uri="{FF2B5EF4-FFF2-40B4-BE49-F238E27FC236}">
-                <a16:creationId xmlns:a16="http://schemas.microsoft.com/office/drawing/2014/main" id="{82B4C259-A121-D7B8-98B0-B23E4D1EFD86}"/>
+                <a16:creationId xmlns:a16="http://schemas.microsoft.com/office/drawing/2014/main" id="{DA8F962C-CFDF-EF42-F064-249C1A3E4272}"/>
               </a:ext>
             </a:extLst>
           </p:cNvPr>
@@ -1659,7 +1659,7 @@
           <p:cNvPr id="5" name="文本占位符 4">
             <a:extLst>
               <a:ext uri="{FF2B5EF4-FFF2-40B4-BE49-F238E27FC236}">
-                <a16:creationId xmlns:a16="http://schemas.microsoft.com/office/drawing/2014/main" id="{369ED9F7-C2CD-BEFC-A542-455448924978}"/>
+                <a16:creationId xmlns:a16="http://schemas.microsoft.com/office/drawing/2014/main" id="{6021000D-906D-67B8-BACC-AC753E366F08}"/>
               </a:ext>
             </a:extLst>
           </p:cNvPr>
@@ -1730,7 +1730,7 @@
           <p:cNvPr id="6" name="内容占位符 5">
             <a:extLst>
               <a:ext uri="{FF2B5EF4-FFF2-40B4-BE49-F238E27FC236}">
-                <a16:creationId xmlns:a16="http://schemas.microsoft.com/office/drawing/2014/main" id="{CD6AD991-691F-EB29-B058-A9CDC545387A}"/>
+                <a16:creationId xmlns:a16="http://schemas.microsoft.com/office/drawing/2014/main" id="{F655C2D4-C6F3-FE7B-FF53-D5193E249348}"/>
               </a:ext>
             </a:extLst>
           </p:cNvPr>
@@ -1792,7 +1792,7 @@
           <p:cNvPr id="7" name="日期占位符 6">
             <a:extLst>
               <a:ext uri="{FF2B5EF4-FFF2-40B4-BE49-F238E27FC236}">
-                <a16:creationId xmlns:a16="http://schemas.microsoft.com/office/drawing/2014/main" id="{FC80F9DD-A6AB-247A-15C5-29D06DEC1D21}"/>
+                <a16:creationId xmlns:a16="http://schemas.microsoft.com/office/drawing/2014/main" id="{4F8342D2-A0EB-7A36-FDD3-B9F18EBEAF2C}"/>
               </a:ext>
             </a:extLst>
           </p:cNvPr>
@@ -1808,7 +1808,7 @@
           <a:bodyPr/>
           <a:lstStyle/>
           <a:p>
-            <a:fld id="{DD37D8B6-6939-4D25-BE02-93BB3737C209}" type="datetimeFigureOut">
+            <a:fld id="{81E8D1E3-FC6F-4155-94EB-F2DA3959C3F1}" type="datetimeFigureOut">
               <a:rPr lang="zh-CN" altLang="en-US" smtClean="0"/>
               <a:t>2024/3/10</a:t>
             </a:fld>
@@ -1821,7 +1821,7 @@
           <p:cNvPr id="8" name="页脚占位符 7">
             <a:extLst>
               <a:ext uri="{FF2B5EF4-FFF2-40B4-BE49-F238E27FC236}">
-                <a16:creationId xmlns:a16="http://schemas.microsoft.com/office/drawing/2014/main" id="{324DD47F-3520-E6C6-3E1B-9CCE3CBA2F0B}"/>
+                <a16:creationId xmlns:a16="http://schemas.microsoft.com/office/drawing/2014/main" id="{E5AD1181-51C6-0655-83BE-51685A116814}"/>
               </a:ext>
             </a:extLst>
           </p:cNvPr>
@@ -1846,7 +1846,7 @@
           <p:cNvPr id="9" name="灯片编号占位符 8">
             <a:extLst>
               <a:ext uri="{FF2B5EF4-FFF2-40B4-BE49-F238E27FC236}">
-                <a16:creationId xmlns:a16="http://schemas.microsoft.com/office/drawing/2014/main" id="{4F148A2F-7C8A-22A2-C618-1BB407DE1884}"/>
+                <a16:creationId xmlns:a16="http://schemas.microsoft.com/office/drawing/2014/main" id="{0B40233D-DEC8-E3C7-1B13-4F7377E3464E}"/>
               </a:ext>
             </a:extLst>
           </p:cNvPr>
@@ -1862,7 +1862,7 @@
           <a:bodyPr/>
           <a:lstStyle/>
           <a:p>
-            <a:fld id="{3C017723-B42A-4355-A764-7ABF6F00C36B}" type="slidenum">
+            <a:fld id="{B08BBDCB-87ED-4606-ADE8-B11CF9BF560B}" type="slidenum">
               <a:rPr lang="zh-CN" altLang="en-US" smtClean="0"/>
               <a:t>‹#›</a:t>
             </a:fld>
@@ -1873,7 +1873,7 @@
     </p:spTree>
     <p:extLst>
       <p:ext uri="{BB962C8B-B14F-4D97-AF65-F5344CB8AC3E}">
-        <p14:creationId xmlns:p14="http://schemas.microsoft.com/office/powerpoint/2010/main" val="1998996947"/>
+        <p14:creationId xmlns:p14="http://schemas.microsoft.com/office/powerpoint/2010/main" val="3223619927"/>
       </p:ext>
     </p:extLst>
   </p:cSld>
@@ -1905,7 +1905,7 @@
           <p:cNvPr id="2" name="标题 1">
             <a:extLst>
               <a:ext uri="{FF2B5EF4-FFF2-40B4-BE49-F238E27FC236}">
-                <a16:creationId xmlns:a16="http://schemas.microsoft.com/office/drawing/2014/main" id="{EEE1F9E2-07F9-B958-9E77-80410CA09D6C}"/>
+                <a16:creationId xmlns:a16="http://schemas.microsoft.com/office/drawing/2014/main" id="{4F013F41-D234-0BD3-1990-99DA483B0F3A}"/>
               </a:ext>
             </a:extLst>
           </p:cNvPr>
@@ -1933,7 +1933,7 @@
           <p:cNvPr id="3" name="日期占位符 2">
             <a:extLst>
               <a:ext uri="{FF2B5EF4-FFF2-40B4-BE49-F238E27FC236}">
-                <a16:creationId xmlns:a16="http://schemas.microsoft.com/office/drawing/2014/main" id="{E6E9FC7C-CD2F-064E-3D00-FFD33842BC76}"/>
+                <a16:creationId xmlns:a16="http://schemas.microsoft.com/office/drawing/2014/main" id="{E0257C69-546C-AFDD-0C4C-5706A2F0A7BA}"/>
               </a:ext>
             </a:extLst>
           </p:cNvPr>
@@ -1949,7 +1949,7 @@
           <a:bodyPr/>
           <a:lstStyle/>
           <a:p>
-            <a:fld id="{DD37D8B6-6939-4D25-BE02-93BB3737C209}" type="datetimeFigureOut">
+            <a:fld id="{81E8D1E3-FC6F-4155-94EB-F2DA3959C3F1}" type="datetimeFigureOut">
               <a:rPr lang="zh-CN" altLang="en-US" smtClean="0"/>
               <a:t>2024/3/10</a:t>
             </a:fld>
@@ -1962,7 +1962,7 @@
           <p:cNvPr id="4" name="页脚占位符 3">
             <a:extLst>
               <a:ext uri="{FF2B5EF4-FFF2-40B4-BE49-F238E27FC236}">
-                <a16:creationId xmlns:a16="http://schemas.microsoft.com/office/drawing/2014/main" id="{6C345069-2292-9281-0380-9AD45F14B446}"/>
+                <a16:creationId xmlns:a16="http://schemas.microsoft.com/office/drawing/2014/main" id="{FCD986C2-56F9-6F5C-1A4A-40DCE4CF940F}"/>
               </a:ext>
             </a:extLst>
           </p:cNvPr>
@@ -1987,7 +1987,7 @@
           <p:cNvPr id="5" name="灯片编号占位符 4">
             <a:extLst>
               <a:ext uri="{FF2B5EF4-FFF2-40B4-BE49-F238E27FC236}">
-                <a16:creationId xmlns:a16="http://schemas.microsoft.com/office/drawing/2014/main" id="{71D53384-3C5C-631B-13A8-2B729AD1DF0B}"/>
+                <a16:creationId xmlns:a16="http://schemas.microsoft.com/office/drawing/2014/main" id="{803BA825-8255-EB61-4E4C-66E00FB811B0}"/>
               </a:ext>
             </a:extLst>
           </p:cNvPr>
@@ -2003,7 +2003,7 @@
           <a:bodyPr/>
           <a:lstStyle/>
           <a:p>
-            <a:fld id="{3C017723-B42A-4355-A764-7ABF6F00C36B}" type="slidenum">
+            <a:fld id="{B08BBDCB-87ED-4606-ADE8-B11CF9BF560B}" type="slidenum">
               <a:rPr lang="zh-CN" altLang="en-US" smtClean="0"/>
               <a:t>‹#›</a:t>
             </a:fld>
@@ -2014,7 +2014,7 @@
     </p:spTree>
     <p:extLst>
       <p:ext uri="{BB962C8B-B14F-4D97-AF65-F5344CB8AC3E}">
-        <p14:creationId xmlns:p14="http://schemas.microsoft.com/office/powerpoint/2010/main" val="245973777"/>
+        <p14:creationId xmlns:p14="http://schemas.microsoft.com/office/powerpoint/2010/main" val="3993984290"/>
       </p:ext>
     </p:extLst>
   </p:cSld>
@@ -2046,7 +2046,7 @@
           <p:cNvPr id="2" name="日期占位符 1">
             <a:extLst>
               <a:ext uri="{FF2B5EF4-FFF2-40B4-BE49-F238E27FC236}">
-                <a16:creationId xmlns:a16="http://schemas.microsoft.com/office/drawing/2014/main" id="{4C689F73-B08B-8448-3479-9EAD125D2230}"/>
+                <a16:creationId xmlns:a16="http://schemas.microsoft.com/office/drawing/2014/main" id="{1450DE32-8E58-7524-63AC-342ECDE7F9E5}"/>
               </a:ext>
             </a:extLst>
           </p:cNvPr>
@@ -2062,7 +2062,7 @@
           <a:bodyPr/>
           <a:lstStyle/>
           <a:p>
-            <a:fld id="{DD37D8B6-6939-4D25-BE02-93BB3737C209}" type="datetimeFigureOut">
+            <a:fld id="{81E8D1E3-FC6F-4155-94EB-F2DA3959C3F1}" type="datetimeFigureOut">
               <a:rPr lang="zh-CN" altLang="en-US" smtClean="0"/>
               <a:t>2024/3/10</a:t>
             </a:fld>
@@ -2075,7 +2075,7 @@
           <p:cNvPr id="3" name="页脚占位符 2">
             <a:extLst>
               <a:ext uri="{FF2B5EF4-FFF2-40B4-BE49-F238E27FC236}">
-                <a16:creationId xmlns:a16="http://schemas.microsoft.com/office/drawing/2014/main" id="{ADAB9935-230D-09EC-E7F8-82982C20A0FB}"/>
+                <a16:creationId xmlns:a16="http://schemas.microsoft.com/office/drawing/2014/main" id="{17DCB351-F421-999F-6B5E-16A8C109C987}"/>
               </a:ext>
             </a:extLst>
           </p:cNvPr>
@@ -2100,7 +2100,7 @@
           <p:cNvPr id="4" name="灯片编号占位符 3">
             <a:extLst>
               <a:ext uri="{FF2B5EF4-FFF2-40B4-BE49-F238E27FC236}">
-                <a16:creationId xmlns:a16="http://schemas.microsoft.com/office/drawing/2014/main" id="{996B3970-023A-A7CE-DED8-1B589D292A47}"/>
+                <a16:creationId xmlns:a16="http://schemas.microsoft.com/office/drawing/2014/main" id="{527FA2B8-ABB4-3527-FA30-71D51D519104}"/>
               </a:ext>
             </a:extLst>
           </p:cNvPr>
@@ -2116,7 +2116,7 @@
           <a:bodyPr/>
           <a:lstStyle/>
           <a:p>
-            <a:fld id="{3C017723-B42A-4355-A764-7ABF6F00C36B}" type="slidenum">
+            <a:fld id="{B08BBDCB-87ED-4606-ADE8-B11CF9BF560B}" type="slidenum">
               <a:rPr lang="zh-CN" altLang="en-US" smtClean="0"/>
               <a:t>‹#›</a:t>
             </a:fld>
@@ -2127,7 +2127,7 @@
     </p:spTree>
     <p:extLst>
       <p:ext uri="{BB962C8B-B14F-4D97-AF65-F5344CB8AC3E}">
-        <p14:creationId xmlns:p14="http://schemas.microsoft.com/office/powerpoint/2010/main" val="2787046315"/>
+        <p14:creationId xmlns:p14="http://schemas.microsoft.com/office/powerpoint/2010/main" val="859429737"/>
       </p:ext>
     </p:extLst>
   </p:cSld>
@@ -2159,7 +2159,7 @@
           <p:cNvPr id="2" name="标题 1">
             <a:extLst>
               <a:ext uri="{FF2B5EF4-FFF2-40B4-BE49-F238E27FC236}">
-                <a16:creationId xmlns:a16="http://schemas.microsoft.com/office/drawing/2014/main" id="{DDDB9123-2FE6-B727-CE6D-C726A032DC4E}"/>
+                <a16:creationId xmlns:a16="http://schemas.microsoft.com/office/drawing/2014/main" id="{EEEDCE1F-5CD8-535C-C71D-7F766D9B018F}"/>
               </a:ext>
             </a:extLst>
           </p:cNvPr>
@@ -2196,7 +2196,7 @@
           <p:cNvPr id="3" name="内容占位符 2">
             <a:extLst>
               <a:ext uri="{FF2B5EF4-FFF2-40B4-BE49-F238E27FC236}">
-                <a16:creationId xmlns:a16="http://schemas.microsoft.com/office/drawing/2014/main" id="{D7BFA1A6-E5CE-5F7E-6742-CFC258A101CE}"/>
+                <a16:creationId xmlns:a16="http://schemas.microsoft.com/office/drawing/2014/main" id="{1C1CF95A-673E-2C87-C0E0-2152FAB3DDA3}"/>
               </a:ext>
             </a:extLst>
           </p:cNvPr>
@@ -2286,7 +2286,7 @@
           <p:cNvPr id="4" name="文本占位符 3">
             <a:extLst>
               <a:ext uri="{FF2B5EF4-FFF2-40B4-BE49-F238E27FC236}">
-                <a16:creationId xmlns:a16="http://schemas.microsoft.com/office/drawing/2014/main" id="{ED713C2B-29DF-E490-9573-BAF81FFB53A2}"/>
+                <a16:creationId xmlns:a16="http://schemas.microsoft.com/office/drawing/2014/main" id="{C5433C1E-BA50-95F5-BC10-8F168AE894DE}"/>
               </a:ext>
             </a:extLst>
           </p:cNvPr>
@@ -2357,7 +2357,7 @@
           <p:cNvPr id="5" name="日期占位符 4">
             <a:extLst>
               <a:ext uri="{FF2B5EF4-FFF2-40B4-BE49-F238E27FC236}">
-                <a16:creationId xmlns:a16="http://schemas.microsoft.com/office/drawing/2014/main" id="{68A2FA26-F267-C6BC-EF50-0575B7E21344}"/>
+                <a16:creationId xmlns:a16="http://schemas.microsoft.com/office/drawing/2014/main" id="{61FEB36B-0048-2AFD-7992-39148F777646}"/>
               </a:ext>
             </a:extLst>
           </p:cNvPr>
@@ -2373,7 +2373,7 @@
           <a:bodyPr/>
           <a:lstStyle/>
           <a:p>
-            <a:fld id="{DD37D8B6-6939-4D25-BE02-93BB3737C209}" type="datetimeFigureOut">
+            <a:fld id="{81E8D1E3-FC6F-4155-94EB-F2DA3959C3F1}" type="datetimeFigureOut">
               <a:rPr lang="zh-CN" altLang="en-US" smtClean="0"/>
               <a:t>2024/3/10</a:t>
             </a:fld>
@@ -2386,7 +2386,7 @@
           <p:cNvPr id="6" name="页脚占位符 5">
             <a:extLst>
               <a:ext uri="{FF2B5EF4-FFF2-40B4-BE49-F238E27FC236}">
-                <a16:creationId xmlns:a16="http://schemas.microsoft.com/office/drawing/2014/main" id="{4E5C8B4A-A37B-C1B5-25A0-F87F6D36162B}"/>
+                <a16:creationId xmlns:a16="http://schemas.microsoft.com/office/drawing/2014/main" id="{0FF5D394-C38F-5072-4A7D-03FE1CB99B0D}"/>
               </a:ext>
             </a:extLst>
           </p:cNvPr>
@@ -2411,7 +2411,7 @@
           <p:cNvPr id="7" name="灯片编号占位符 6">
             <a:extLst>
               <a:ext uri="{FF2B5EF4-FFF2-40B4-BE49-F238E27FC236}">
-                <a16:creationId xmlns:a16="http://schemas.microsoft.com/office/drawing/2014/main" id="{5793580F-4136-5D08-E895-6F1138968EDF}"/>
+                <a16:creationId xmlns:a16="http://schemas.microsoft.com/office/drawing/2014/main" id="{1C2D0D90-D8B9-AC69-5FEE-EEED8622AA23}"/>
               </a:ext>
             </a:extLst>
           </p:cNvPr>
@@ -2427,7 +2427,7 @@
           <a:bodyPr/>
           <a:lstStyle/>
           <a:p>
-            <a:fld id="{3C017723-B42A-4355-A764-7ABF6F00C36B}" type="slidenum">
+            <a:fld id="{B08BBDCB-87ED-4606-ADE8-B11CF9BF560B}" type="slidenum">
               <a:rPr lang="zh-CN" altLang="en-US" smtClean="0"/>
               <a:t>‹#›</a:t>
             </a:fld>
@@ -2438,7 +2438,7 @@
     </p:spTree>
     <p:extLst>
       <p:ext uri="{BB962C8B-B14F-4D97-AF65-F5344CB8AC3E}">
-        <p14:creationId xmlns:p14="http://schemas.microsoft.com/office/powerpoint/2010/main" val="1378837980"/>
+        <p14:creationId xmlns:p14="http://schemas.microsoft.com/office/powerpoint/2010/main" val="3162834244"/>
       </p:ext>
     </p:extLst>
   </p:cSld>
@@ -2470,7 +2470,7 @@
           <p:cNvPr id="2" name="标题 1">
             <a:extLst>
               <a:ext uri="{FF2B5EF4-FFF2-40B4-BE49-F238E27FC236}">
-                <a16:creationId xmlns:a16="http://schemas.microsoft.com/office/drawing/2014/main" id="{776FC02D-A501-41A8-8BF0-5F3DC18A065C}"/>
+                <a16:creationId xmlns:a16="http://schemas.microsoft.com/office/drawing/2014/main" id="{3E7C96EE-736F-6B6E-5FED-7335AD6FC530}"/>
               </a:ext>
             </a:extLst>
           </p:cNvPr>
@@ -2507,7 +2507,7 @@
           <p:cNvPr id="3" name="图片占位符 2">
             <a:extLst>
               <a:ext uri="{FF2B5EF4-FFF2-40B4-BE49-F238E27FC236}">
-                <a16:creationId xmlns:a16="http://schemas.microsoft.com/office/drawing/2014/main" id="{90193259-1A86-F260-E784-8A25168DFB18}"/>
+                <a16:creationId xmlns:a16="http://schemas.microsoft.com/office/drawing/2014/main" id="{16CEEE98-B7C5-7C23-E912-EB7D9ACD3993}"/>
               </a:ext>
             </a:extLst>
           </p:cNvPr>
@@ -2574,7 +2574,7 @@
           <p:cNvPr id="4" name="文本占位符 3">
             <a:extLst>
               <a:ext uri="{FF2B5EF4-FFF2-40B4-BE49-F238E27FC236}">
-                <a16:creationId xmlns:a16="http://schemas.microsoft.com/office/drawing/2014/main" id="{943827E5-06C6-7E61-8601-B632EC9F1624}"/>
+                <a16:creationId xmlns:a16="http://schemas.microsoft.com/office/drawing/2014/main" id="{7159C1A0-F3AB-1E87-0C90-F12897F00832}"/>
               </a:ext>
             </a:extLst>
           </p:cNvPr>
@@ -2645,7 +2645,7 @@
           <p:cNvPr id="5" name="日期占位符 4">
             <a:extLst>
               <a:ext uri="{FF2B5EF4-FFF2-40B4-BE49-F238E27FC236}">
-                <a16:creationId xmlns:a16="http://schemas.microsoft.com/office/drawing/2014/main" id="{2402D744-055B-9CAF-896C-6A7E1E0FA885}"/>
+                <a16:creationId xmlns:a16="http://schemas.microsoft.com/office/drawing/2014/main" id="{977FCB27-068B-BB6A-2227-08DAD10A65EA}"/>
               </a:ext>
             </a:extLst>
           </p:cNvPr>
@@ -2661,7 +2661,7 @@
           <a:bodyPr/>
           <a:lstStyle/>
           <a:p>
-            <a:fld id="{DD37D8B6-6939-4D25-BE02-93BB3737C209}" type="datetimeFigureOut">
+            <a:fld id="{81E8D1E3-FC6F-4155-94EB-F2DA3959C3F1}" type="datetimeFigureOut">
               <a:rPr lang="zh-CN" altLang="en-US" smtClean="0"/>
               <a:t>2024/3/10</a:t>
             </a:fld>
@@ -2674,7 +2674,7 @@
           <p:cNvPr id="6" name="页脚占位符 5">
             <a:extLst>
               <a:ext uri="{FF2B5EF4-FFF2-40B4-BE49-F238E27FC236}">
-                <a16:creationId xmlns:a16="http://schemas.microsoft.com/office/drawing/2014/main" id="{4EB54977-E07F-E605-B10F-56792F60BC7A}"/>
+                <a16:creationId xmlns:a16="http://schemas.microsoft.com/office/drawing/2014/main" id="{91A88331-FBE8-3DB9-C967-4606CF1176BC}"/>
               </a:ext>
             </a:extLst>
           </p:cNvPr>
@@ -2699,7 +2699,7 @@
           <p:cNvPr id="7" name="灯片编号占位符 6">
             <a:extLst>
               <a:ext uri="{FF2B5EF4-FFF2-40B4-BE49-F238E27FC236}">
-                <a16:creationId xmlns:a16="http://schemas.microsoft.com/office/drawing/2014/main" id="{FB6E6DEA-B744-32B1-C126-601B63F29115}"/>
+                <a16:creationId xmlns:a16="http://schemas.microsoft.com/office/drawing/2014/main" id="{9E0D7629-D34E-BB55-6484-A86B8A4617F1}"/>
               </a:ext>
             </a:extLst>
           </p:cNvPr>
@@ -2715,7 +2715,7 @@
           <a:bodyPr/>
           <a:lstStyle/>
           <a:p>
-            <a:fld id="{3C017723-B42A-4355-A764-7ABF6F00C36B}" type="slidenum">
+            <a:fld id="{B08BBDCB-87ED-4606-ADE8-B11CF9BF560B}" type="slidenum">
               <a:rPr lang="zh-CN" altLang="en-US" smtClean="0"/>
               <a:t>‹#›</a:t>
             </a:fld>
@@ -2726,7 +2726,7 @@
     </p:spTree>
     <p:extLst>
       <p:ext uri="{BB962C8B-B14F-4D97-AF65-F5344CB8AC3E}">
-        <p14:creationId xmlns:p14="http://schemas.microsoft.com/office/powerpoint/2010/main" val="3967425464"/>
+        <p14:creationId xmlns:p14="http://schemas.microsoft.com/office/powerpoint/2010/main" val="3347835281"/>
       </p:ext>
     </p:extLst>
   </p:cSld>
@@ -2763,7 +2763,7 @@
           <p:cNvPr id="2" name="标题占位符 1">
             <a:extLst>
               <a:ext uri="{FF2B5EF4-FFF2-40B4-BE49-F238E27FC236}">
-                <a16:creationId xmlns:a16="http://schemas.microsoft.com/office/drawing/2014/main" id="{43DBD19D-48C5-1B9E-FC37-C2BC34369EF1}"/>
+                <a16:creationId xmlns:a16="http://schemas.microsoft.com/office/drawing/2014/main" id="{F96B1A88-4B9F-9D8B-E223-17EF961C6FC4}"/>
               </a:ext>
             </a:extLst>
           </p:cNvPr>
@@ -2801,7 +2801,7 @@
           <p:cNvPr id="3" name="文本占位符 2">
             <a:extLst>
               <a:ext uri="{FF2B5EF4-FFF2-40B4-BE49-F238E27FC236}">
-                <a16:creationId xmlns:a16="http://schemas.microsoft.com/office/drawing/2014/main" id="{7413F205-47D4-D1C3-9B02-3FD6BDBCAC17}"/>
+                <a16:creationId xmlns:a16="http://schemas.microsoft.com/office/drawing/2014/main" id="{BEC32E31-BB56-3C80-30D9-8E4EF5209B29}"/>
               </a:ext>
             </a:extLst>
           </p:cNvPr>
@@ -2868,7 +2868,7 @@
           <p:cNvPr id="4" name="日期占位符 3">
             <a:extLst>
               <a:ext uri="{FF2B5EF4-FFF2-40B4-BE49-F238E27FC236}">
-                <a16:creationId xmlns:a16="http://schemas.microsoft.com/office/drawing/2014/main" id="{24225DBA-1E7D-A395-0264-55E99CB2D81C}"/>
+                <a16:creationId xmlns:a16="http://schemas.microsoft.com/office/drawing/2014/main" id="{0CFF02F4-3F09-804C-4A4B-DB3030D90DA3}"/>
               </a:ext>
             </a:extLst>
           </p:cNvPr>
@@ -2902,7 +2902,7 @@
             </a:lvl1pPr>
           </a:lstStyle>
           <a:p>
-            <a:fld id="{DD37D8B6-6939-4D25-BE02-93BB3737C209}" type="datetimeFigureOut">
+            <a:fld id="{81E8D1E3-FC6F-4155-94EB-F2DA3959C3F1}" type="datetimeFigureOut">
               <a:rPr lang="zh-CN" altLang="en-US" smtClean="0"/>
               <a:t>2024/3/10</a:t>
             </a:fld>
@@ -2915,7 +2915,7 @@
           <p:cNvPr id="5" name="页脚占位符 4">
             <a:extLst>
               <a:ext uri="{FF2B5EF4-FFF2-40B4-BE49-F238E27FC236}">
-                <a16:creationId xmlns:a16="http://schemas.microsoft.com/office/drawing/2014/main" id="{E378BC8D-4BE4-884F-EAEE-E5CA21388762}"/>
+                <a16:creationId xmlns:a16="http://schemas.microsoft.com/office/drawing/2014/main" id="{4414F476-36E7-A980-A477-712C8CF59CFF}"/>
               </a:ext>
             </a:extLst>
           </p:cNvPr>
@@ -2958,7 +2958,7 @@
           <p:cNvPr id="6" name="灯片编号占位符 5">
             <a:extLst>
               <a:ext uri="{FF2B5EF4-FFF2-40B4-BE49-F238E27FC236}">
-                <a16:creationId xmlns:a16="http://schemas.microsoft.com/office/drawing/2014/main" id="{951F58DC-8AEB-1A98-BE24-1BE49BF4D40C}"/>
+                <a16:creationId xmlns:a16="http://schemas.microsoft.com/office/drawing/2014/main" id="{E098A51C-DFC4-C230-A77C-8D6E66F3B53A}"/>
               </a:ext>
             </a:extLst>
           </p:cNvPr>
@@ -2992,7 +2992,7 @@
             </a:lvl1pPr>
           </a:lstStyle>
           <a:p>
-            <a:fld id="{3C017723-B42A-4355-A764-7ABF6F00C36B}" type="slidenum">
+            <a:fld id="{B08BBDCB-87ED-4606-ADE8-B11CF9BF560B}" type="slidenum">
               <a:rPr lang="zh-CN" altLang="en-US" smtClean="0"/>
               <a:t>‹#›</a:t>
             </a:fld>
@@ -3003,7 +3003,7 @@
     </p:spTree>
     <p:extLst>
       <p:ext uri="{BB962C8B-B14F-4D97-AF65-F5344CB8AC3E}">
-        <p14:creationId xmlns:p14="http://schemas.microsoft.com/office/powerpoint/2010/main" val="4163354729"/>
+        <p14:creationId xmlns:p14="http://schemas.microsoft.com/office/powerpoint/2010/main" val="3689828009"/>
       </p:ext>
     </p:extLst>
   </p:cSld>
@@ -3323,7 +3323,7 @@
       </p:grpSpPr>
       <p:pic>
         <p:nvPicPr>
-          <p:cNvPr id="1316866" name="Picture 2" descr="1285"/>
+          <p:cNvPr id="1317890" name="Picture 2" descr="1286"/>
           <p:cNvPicPr>
             <a:picLocks noChangeAspect="1" noChangeArrowheads="1"/>
           </p:cNvPicPr>
@@ -3345,7 +3345,7 @@
         <p:spPr bwMode="auto">
           <a:xfrm>
             <a:off x="1524000" y="1"/>
-            <a:ext cx="9144000" cy="4365625"/>
+            <a:ext cx="9144000" cy="4005263"/>
           </a:xfrm>
           <a:prstGeom prst="rect">
             <a:avLst/>
